--- a/TELAS.pptx
+++ b/TELAS.pptx
@@ -11,8 +11,9 @@
     <p:sldId id="261" r:id="rId5"/>
     <p:sldId id="259" r:id="rId6"/>
     <p:sldId id="264" r:id="rId7"/>
-    <p:sldId id="260" r:id="rId8"/>
-    <p:sldId id="263" r:id="rId9"/>
+    <p:sldId id="265" r:id="rId8"/>
+    <p:sldId id="260" r:id="rId9"/>
+    <p:sldId id="263" r:id="rId10"/>
   </p:sldIdLst>
   <p:sldSz cx="12192000" cy="6858000"/>
   <p:notesSz cx="6858000" cy="9144000"/>
@@ -275,7 +276,7 @@
           <a:p>
             <a:fld id="{4EC743F4-8769-40B4-85DF-6CB8DE9F66AA}" type="datetimeFigureOut">
               <a:rPr lang="en-US" smtClean="0"/>
-              <a:t>5/25/2022</a:t>
+              <a:t>5/26/2022</a:t>
             </a:fld>
             <a:endParaRPr lang="en-US"/>
           </a:p>
@@ -818,7 +819,7 @@
           <a:p>
             <a:fld id="{4EC743F4-8769-40B4-85DF-6CB8DE9F66AA}" type="datetimeFigureOut">
               <a:rPr lang="en-US" smtClean="0"/>
-              <a:t>5/25/2022</a:t>
+              <a:t>5/26/2022</a:t>
             </a:fld>
             <a:endParaRPr lang="en-US"/>
           </a:p>
@@ -1026,7 +1027,7 @@
           <a:p>
             <a:fld id="{4EC743F4-8769-40B4-85DF-6CB8DE9F66AA}" type="datetimeFigureOut">
               <a:rPr lang="en-US" smtClean="0"/>
-              <a:t>5/25/2022</a:t>
+              <a:t>5/26/2022</a:t>
             </a:fld>
             <a:endParaRPr lang="en-US"/>
           </a:p>
@@ -1225,7 +1226,7 @@
           <a:p>
             <a:fld id="{4EC743F4-8769-40B4-85DF-6CB8DE9F66AA}" type="datetimeFigureOut">
               <a:rPr lang="en-US" smtClean="0"/>
-              <a:t>5/25/2022</a:t>
+              <a:t>5/26/2022</a:t>
             </a:fld>
             <a:endParaRPr lang="en-US"/>
           </a:p>
@@ -1508,7 +1509,7 @@
           <a:p>
             <a:fld id="{4EC743F4-8769-40B4-85DF-6CB8DE9F66AA}" type="datetimeFigureOut">
               <a:rPr lang="en-US" smtClean="0"/>
-              <a:t>5/25/2022</a:t>
+              <a:t>5/26/2022</a:t>
             </a:fld>
             <a:endParaRPr lang="en-US" dirty="0"/>
           </a:p>
@@ -2459,7 +2460,7 @@
           <a:p>
             <a:fld id="{4EC743F4-8769-40B4-85DF-6CB8DE9F66AA}" type="datetimeFigureOut">
               <a:rPr lang="en-US" smtClean="0"/>
-              <a:t>5/25/2022</a:t>
+              <a:t>5/26/2022</a:t>
             </a:fld>
             <a:endParaRPr lang="en-US"/>
           </a:p>
@@ -2878,7 +2879,7 @@
           <a:p>
             <a:fld id="{4EC743F4-8769-40B4-85DF-6CB8DE9F66AA}" type="datetimeFigureOut">
               <a:rPr lang="en-US" smtClean="0"/>
-              <a:t>5/25/2022</a:t>
+              <a:t>5/26/2022</a:t>
             </a:fld>
             <a:endParaRPr lang="en-US"/>
           </a:p>
@@ -3019,7 +3020,7 @@
           <a:p>
             <a:fld id="{4EC743F4-8769-40B4-85DF-6CB8DE9F66AA}" type="datetimeFigureOut">
               <a:rPr lang="en-US" smtClean="0"/>
-              <a:t>5/25/2022</a:t>
+              <a:t>5/26/2022</a:t>
             </a:fld>
             <a:endParaRPr lang="en-US"/>
           </a:p>
@@ -3132,7 +3133,7 @@
           <a:p>
             <a:fld id="{4EC743F4-8769-40B4-85DF-6CB8DE9F66AA}" type="datetimeFigureOut">
               <a:rPr lang="en-US" smtClean="0"/>
-              <a:t>5/25/2022</a:t>
+              <a:t>5/26/2022</a:t>
             </a:fld>
             <a:endParaRPr lang="en-US"/>
           </a:p>
@@ -3449,7 +3450,7 @@
           <a:p>
             <a:fld id="{4EC743F4-8769-40B4-85DF-6CB8DE9F66AA}" type="datetimeFigureOut">
               <a:rPr lang="en-US" smtClean="0"/>
-              <a:t>5/25/2022</a:t>
+              <a:t>5/26/2022</a:t>
             </a:fld>
             <a:endParaRPr lang="en-US"/>
           </a:p>
@@ -3794,7 +3795,7 @@
           <a:p>
             <a:fld id="{4EC743F4-8769-40B4-85DF-6CB8DE9F66AA}" type="datetimeFigureOut">
               <a:rPr lang="en-US" smtClean="0"/>
-              <a:t>5/25/2022</a:t>
+              <a:t>5/26/2022</a:t>
             </a:fld>
             <a:endParaRPr lang="en-US"/>
           </a:p>
@@ -4089,7 +4090,7 @@
             <a:fld id="{4EC743F4-8769-40B4-85DF-6CB8DE9F66AA}" type="datetimeFigureOut">
               <a:rPr lang="en-US" smtClean="0"/>
               <a:pPr/>
-              <a:t>5/25/2022</a:t>
+              <a:t>5/26/2022</a:t>
             </a:fld>
             <a:endParaRPr lang="en-US" dirty="0"/>
           </a:p>
@@ -5465,6 +5466,1346 @@
           <a:chExt cx="0" cy="0"/>
         </a:xfrm>
       </p:grpSpPr>
+      <p:pic>
+        <p:nvPicPr>
+          <p:cNvPr id="4" name="Picture 2" descr="Imagens Quadrinhos Brilhantes | Vetores, fotos de arquivo e PSD grátis">
+            <a:extLst>
+              <a:ext uri="{FF2B5EF4-FFF2-40B4-BE49-F238E27FC236}">
+                <a16:creationId xmlns:a16="http://schemas.microsoft.com/office/drawing/2014/main" id="{5A4128A5-C2B8-B35A-80E9-F045107D549C}"/>
+              </a:ext>
+            </a:extLst>
+          </p:cNvPr>
+          <p:cNvPicPr>
+            <a:picLocks noChangeAspect="1" noChangeArrowheads="1"/>
+          </p:cNvPicPr>
+          <p:nvPr/>
+        </p:nvPicPr>
+        <p:blipFill>
+          <a:blip r:embed="rId2">
+            <a:extLst>
+              <a:ext uri="{28A0092B-C50C-407E-A947-70E740481C1C}">
+                <a14:useLocalDpi xmlns:a14="http://schemas.microsoft.com/office/drawing/2010/main" val="0"/>
+              </a:ext>
+            </a:extLst>
+          </a:blip>
+          <a:srcRect/>
+          <a:stretch>
+            <a:fillRect/>
+          </a:stretch>
+        </p:blipFill>
+        <p:spPr bwMode="auto">
+          <a:xfrm>
+            <a:off x="753630" y="420314"/>
+            <a:ext cx="3407809" cy="2303510"/>
+          </a:xfrm>
+          <a:prstGeom prst="rect">
+            <a:avLst/>
+          </a:prstGeom>
+          <a:noFill/>
+          <a:extLst>
+            <a:ext uri="{909E8E84-426E-40DD-AFC4-6F175D3DCCD1}">
+              <a14:hiddenFill xmlns:a14="http://schemas.microsoft.com/office/drawing/2010/main">
+                <a:solidFill>
+                  <a:srgbClr val="FFFFFF"/>
+                </a:solidFill>
+              </a14:hiddenFill>
+            </a:ext>
+          </a:extLst>
+        </p:spPr>
+      </p:pic>
+      <p:pic>
+        <p:nvPicPr>
+          <p:cNvPr id="13" name="Picture 4">
+            <a:extLst>
+              <a:ext uri="{FF2B5EF4-FFF2-40B4-BE49-F238E27FC236}">
+                <a16:creationId xmlns:a16="http://schemas.microsoft.com/office/drawing/2014/main" id="{AEA9E023-F9FC-EF74-7C21-658E86F480C5}"/>
+              </a:ext>
+            </a:extLst>
+          </p:cNvPr>
+          <p:cNvPicPr>
+            <a:picLocks noChangeAspect="1" noChangeArrowheads="1"/>
+          </p:cNvPicPr>
+          <p:nvPr/>
+        </p:nvPicPr>
+        <p:blipFill>
+          <a:blip r:embed="rId3">
+            <a:extLst>
+              <a:ext uri="{28A0092B-C50C-407E-A947-70E740481C1C}">
+                <a14:useLocalDpi xmlns:a14="http://schemas.microsoft.com/office/drawing/2010/main" val="0"/>
+              </a:ext>
+            </a:extLst>
+          </a:blip>
+          <a:srcRect/>
+          <a:stretch>
+            <a:fillRect/>
+          </a:stretch>
+        </p:blipFill>
+        <p:spPr bwMode="auto">
+          <a:xfrm>
+            <a:off x="303344" y="3148619"/>
+            <a:ext cx="1093697" cy="1093697"/>
+          </a:xfrm>
+          <a:prstGeom prst="rect">
+            <a:avLst/>
+          </a:prstGeom>
+          <a:noFill/>
+          <a:extLst>
+            <a:ext uri="{909E8E84-426E-40DD-AFC4-6F175D3DCCD1}">
+              <a14:hiddenFill xmlns:a14="http://schemas.microsoft.com/office/drawing/2010/main">
+                <a:solidFill>
+                  <a:srgbClr val="FFFFFF"/>
+                </a:solidFill>
+              </a14:hiddenFill>
+            </a:ext>
+          </a:extLst>
+        </p:spPr>
+      </p:pic>
+      <p:grpSp>
+        <p:nvGrpSpPr>
+          <p:cNvPr id="15" name="Agrupar 14">
+            <a:extLst>
+              <a:ext uri="{FF2B5EF4-FFF2-40B4-BE49-F238E27FC236}">
+                <a16:creationId xmlns:a16="http://schemas.microsoft.com/office/drawing/2014/main" id="{01B9C922-A565-AD06-3194-F56433005458}"/>
+              </a:ext>
+            </a:extLst>
+          </p:cNvPr>
+          <p:cNvGrpSpPr/>
+          <p:nvPr/>
+        </p:nvGrpSpPr>
+        <p:grpSpPr>
+          <a:xfrm>
+            <a:off x="4159736" y="538740"/>
+            <a:ext cx="946408" cy="642047"/>
+            <a:chOff x="4597141" y="2269590"/>
+            <a:chExt cx="5600495" cy="3799401"/>
+          </a:xfrm>
+        </p:grpSpPr>
+        <p:grpSp>
+          <p:nvGrpSpPr>
+            <p:cNvPr id="11" name="Agrupar 10">
+              <a:extLst>
+                <a:ext uri="{FF2B5EF4-FFF2-40B4-BE49-F238E27FC236}">
+                  <a16:creationId xmlns:a16="http://schemas.microsoft.com/office/drawing/2014/main" id="{D93760CB-98DA-3A1F-AE58-4102551D9443}"/>
+                </a:ext>
+              </a:extLst>
+            </p:cNvPr>
+            <p:cNvGrpSpPr/>
+            <p:nvPr/>
+          </p:nvGrpSpPr>
+          <p:grpSpPr>
+            <a:xfrm>
+              <a:off x="5175093" y="2269590"/>
+              <a:ext cx="5022543" cy="2551369"/>
+              <a:chOff x="5185010" y="2265936"/>
+              <a:chExt cx="5022543" cy="2551369"/>
+            </a:xfrm>
+          </p:grpSpPr>
+          <p:pic>
+            <p:nvPicPr>
+              <p:cNvPr id="5" name="Picture 2" descr="Imagens Quadrinhos Brilhantes | Vetores, fotos de arquivo e PSD grátis">
+                <a:extLst>
+                  <a:ext uri="{FF2B5EF4-FFF2-40B4-BE49-F238E27FC236}">
+                    <a16:creationId xmlns:a16="http://schemas.microsoft.com/office/drawing/2014/main" id="{9F7E1946-EE1F-C79A-9BF1-6C4F7E1E53FD}"/>
+                  </a:ext>
+                </a:extLst>
+              </p:cNvPr>
+              <p:cNvPicPr>
+                <a:picLocks noChangeAspect="1" noChangeArrowheads="1"/>
+              </p:cNvPicPr>
+              <p:nvPr/>
+            </p:nvPicPr>
+            <p:blipFill rotWithShape="1">
+              <a:blip r:embed="rId2">
+                <a:extLst>
+                  <a:ext uri="{28A0092B-C50C-407E-A947-70E740481C1C}">
+                    <a14:useLocalDpi xmlns:a14="http://schemas.microsoft.com/office/drawing/2010/main" val="0"/>
+                  </a:ext>
+                </a:extLst>
+              </a:blip>
+              <a:srcRect l="58354" r="23758"/>
+              <a:stretch/>
+            </p:blipFill>
+            <p:spPr bwMode="auto">
+              <a:xfrm>
+                <a:off x="7144498" y="2265936"/>
+                <a:ext cx="609600" cy="2303510"/>
+              </a:xfrm>
+              <a:prstGeom prst="rect">
+                <a:avLst/>
+              </a:prstGeom>
+              <a:noFill/>
+              <a:extLst>
+                <a:ext uri="{909E8E84-426E-40DD-AFC4-6F175D3DCCD1}">
+                  <a14:hiddenFill xmlns:a14="http://schemas.microsoft.com/office/drawing/2010/main">
+                    <a:solidFill>
+                      <a:srgbClr val="FFFFFF"/>
+                    </a:solidFill>
+                  </a14:hiddenFill>
+                </a:ext>
+              </a:extLst>
+            </p:spPr>
+          </p:pic>
+          <p:pic>
+            <p:nvPicPr>
+              <p:cNvPr id="6" name="Picture 2" descr="Imagens Quadrinhos Brilhantes | Vetores, fotos de arquivo e PSD grátis">
+                <a:extLst>
+                  <a:ext uri="{FF2B5EF4-FFF2-40B4-BE49-F238E27FC236}">
+                    <a16:creationId xmlns:a16="http://schemas.microsoft.com/office/drawing/2014/main" id="{3F3FEE6A-4E6D-0016-7EAD-038E352E83E7}"/>
+                  </a:ext>
+                </a:extLst>
+              </p:cNvPr>
+              <p:cNvPicPr>
+                <a:picLocks noChangeAspect="1" noChangeArrowheads="1"/>
+              </p:cNvPicPr>
+              <p:nvPr/>
+            </p:nvPicPr>
+            <p:blipFill rotWithShape="1">
+              <a:blip r:embed="rId2">
+                <a:extLst>
+                  <a:ext uri="{28A0092B-C50C-407E-A947-70E740481C1C}">
+                    <a14:useLocalDpi xmlns:a14="http://schemas.microsoft.com/office/drawing/2010/main" val="0"/>
+                  </a:ext>
+                </a:extLst>
+              </a:blip>
+              <a:srcRect l="58354" r="23758"/>
+              <a:stretch/>
+            </p:blipFill>
+            <p:spPr bwMode="auto">
+              <a:xfrm>
+                <a:off x="7744685" y="2355609"/>
+                <a:ext cx="609600" cy="2303510"/>
+              </a:xfrm>
+              <a:prstGeom prst="rect">
+                <a:avLst/>
+              </a:prstGeom>
+              <a:noFill/>
+              <a:extLst>
+                <a:ext uri="{909E8E84-426E-40DD-AFC4-6F175D3DCCD1}">
+                  <a14:hiddenFill xmlns:a14="http://schemas.microsoft.com/office/drawing/2010/main">
+                    <a:solidFill>
+                      <a:srgbClr val="FFFFFF"/>
+                    </a:solidFill>
+                  </a14:hiddenFill>
+                </a:ext>
+              </a:extLst>
+            </p:spPr>
+          </p:pic>
+          <p:pic>
+            <p:nvPicPr>
+              <p:cNvPr id="7" name="Picture 2" descr="Imagens Quadrinhos Brilhantes | Vetores, fotos de arquivo e PSD grátis">
+                <a:extLst>
+                  <a:ext uri="{FF2B5EF4-FFF2-40B4-BE49-F238E27FC236}">
+                    <a16:creationId xmlns:a16="http://schemas.microsoft.com/office/drawing/2014/main" id="{C434D453-AEE0-DB28-71A9-CD236706C984}"/>
+                  </a:ext>
+                </a:extLst>
+              </p:cNvPr>
+              <p:cNvPicPr>
+                <a:picLocks noChangeAspect="1" noChangeArrowheads="1"/>
+              </p:cNvPicPr>
+              <p:nvPr/>
+            </p:nvPicPr>
+            <p:blipFill rotWithShape="1">
+              <a:blip r:embed="rId2">
+                <a:extLst>
+                  <a:ext uri="{28A0092B-C50C-407E-A947-70E740481C1C}">
+                    <a14:useLocalDpi xmlns:a14="http://schemas.microsoft.com/office/drawing/2010/main" val="0"/>
+                  </a:ext>
+                </a:extLst>
+              </a:blip>
+              <a:srcRect l="58354" r="23758"/>
+              <a:stretch/>
+            </p:blipFill>
+            <p:spPr bwMode="auto">
+              <a:xfrm>
+                <a:off x="8341463" y="2445591"/>
+                <a:ext cx="609600" cy="2303510"/>
+              </a:xfrm>
+              <a:prstGeom prst="rect">
+                <a:avLst/>
+              </a:prstGeom>
+              <a:noFill/>
+              <a:extLst>
+                <a:ext uri="{909E8E84-426E-40DD-AFC4-6F175D3DCCD1}">
+                  <a14:hiddenFill xmlns:a14="http://schemas.microsoft.com/office/drawing/2010/main">
+                    <a:solidFill>
+                      <a:srgbClr val="FFFFFF"/>
+                    </a:solidFill>
+                  </a14:hiddenFill>
+                </a:ext>
+              </a:extLst>
+            </p:spPr>
+          </p:pic>
+          <p:pic>
+            <p:nvPicPr>
+              <p:cNvPr id="8" name="Picture 2" descr="Imagens Quadrinhos Brilhantes | Vetores, fotos de arquivo e PSD grátis">
+                <a:extLst>
+                  <a:ext uri="{FF2B5EF4-FFF2-40B4-BE49-F238E27FC236}">
+                    <a16:creationId xmlns:a16="http://schemas.microsoft.com/office/drawing/2014/main" id="{27D37A87-C768-9D9C-FF1F-172551B9A244}"/>
+                  </a:ext>
+                </a:extLst>
+              </p:cNvPr>
+              <p:cNvPicPr>
+                <a:picLocks noChangeAspect="1" noChangeArrowheads="1"/>
+              </p:cNvPicPr>
+              <p:nvPr/>
+            </p:nvPicPr>
+            <p:blipFill rotWithShape="1">
+              <a:blip r:embed="rId2">
+                <a:extLst>
+                  <a:ext uri="{28A0092B-C50C-407E-A947-70E740481C1C}">
+                    <a14:useLocalDpi xmlns:a14="http://schemas.microsoft.com/office/drawing/2010/main" val="0"/>
+                  </a:ext>
+                </a:extLst>
+              </a:blip>
+              <a:srcRect r="42224"/>
+              <a:stretch/>
+            </p:blipFill>
+            <p:spPr bwMode="auto">
+              <a:xfrm>
+                <a:off x="5185010" y="2267394"/>
+                <a:ext cx="1968900" cy="2303510"/>
+              </a:xfrm>
+              <a:prstGeom prst="rect">
+                <a:avLst/>
+              </a:prstGeom>
+              <a:noFill/>
+              <a:extLst>
+                <a:ext uri="{909E8E84-426E-40DD-AFC4-6F175D3DCCD1}">
+                  <a14:hiddenFill xmlns:a14="http://schemas.microsoft.com/office/drawing/2010/main">
+                    <a:solidFill>
+                      <a:srgbClr val="FFFFFF"/>
+                    </a:solidFill>
+                  </a14:hiddenFill>
+                </a:ext>
+              </a:extLst>
+            </p:spPr>
+          </p:pic>
+          <p:pic>
+            <p:nvPicPr>
+              <p:cNvPr id="10" name="Picture 2" descr="Imagens Quadrinhos Brilhantes | Vetores, fotos de arquivo e PSD grátis">
+                <a:extLst>
+                  <a:ext uri="{FF2B5EF4-FFF2-40B4-BE49-F238E27FC236}">
+                    <a16:creationId xmlns:a16="http://schemas.microsoft.com/office/drawing/2014/main" id="{9D26407B-38AB-18E3-4CA3-99BA2659FA8E}"/>
+                  </a:ext>
+                </a:extLst>
+              </p:cNvPr>
+              <p:cNvPicPr>
+                <a:picLocks noChangeAspect="1" noChangeArrowheads="1"/>
+              </p:cNvPicPr>
+              <p:nvPr/>
+            </p:nvPicPr>
+            <p:blipFill rotWithShape="1">
+              <a:blip r:embed="rId2">
+                <a:extLst>
+                  <a:ext uri="{28A0092B-C50C-407E-A947-70E740481C1C}">
+                    <a14:useLocalDpi xmlns:a14="http://schemas.microsoft.com/office/drawing/2010/main" val="0"/>
+                  </a:ext>
+                </a:extLst>
+              </a:blip>
+              <a:srcRect l="62576"/>
+              <a:stretch/>
+            </p:blipFill>
+            <p:spPr bwMode="auto">
+              <a:xfrm>
+                <a:off x="8932237" y="2513795"/>
+                <a:ext cx="1275316" cy="2303510"/>
+              </a:xfrm>
+              <a:prstGeom prst="rect">
+                <a:avLst/>
+              </a:prstGeom>
+              <a:noFill/>
+              <a:extLst>
+                <a:ext uri="{909E8E84-426E-40DD-AFC4-6F175D3DCCD1}">
+                  <a14:hiddenFill xmlns:a14="http://schemas.microsoft.com/office/drawing/2010/main">
+                    <a:solidFill>
+                      <a:srgbClr val="FFFFFF"/>
+                    </a:solidFill>
+                  </a14:hiddenFill>
+                </a:ext>
+              </a:extLst>
+            </p:spPr>
+          </p:pic>
+        </p:grpSp>
+        <p:pic>
+          <p:nvPicPr>
+            <p:cNvPr id="12" name="Picture 2" descr="Customer service free icon">
+              <a:extLst>
+                <a:ext uri="{FF2B5EF4-FFF2-40B4-BE49-F238E27FC236}">
+                  <a16:creationId xmlns:a16="http://schemas.microsoft.com/office/drawing/2014/main" id="{7B35E0C6-3709-DF76-1F2F-38C35E95564F}"/>
+                </a:ext>
+              </a:extLst>
+            </p:cNvPr>
+            <p:cNvPicPr>
+              <a:picLocks noChangeAspect="1" noChangeArrowheads="1"/>
+            </p:cNvPicPr>
+            <p:nvPr/>
+          </p:nvPicPr>
+          <p:blipFill>
+            <a:blip r:embed="rId4">
+              <a:extLst>
+                <a:ext uri="{28A0092B-C50C-407E-A947-70E740481C1C}">
+                  <a14:useLocalDpi xmlns:a14="http://schemas.microsoft.com/office/drawing/2010/main" val="0"/>
+                </a:ext>
+              </a:extLst>
+            </a:blip>
+            <a:srcRect/>
+            <a:stretch>
+              <a:fillRect/>
+            </a:stretch>
+          </p:blipFill>
+          <p:spPr bwMode="auto">
+            <a:xfrm>
+              <a:off x="4762602" y="4487375"/>
+              <a:ext cx="1581616" cy="1581616"/>
+            </a:xfrm>
+            <a:prstGeom prst="rect">
+              <a:avLst/>
+            </a:prstGeom>
+            <a:noFill/>
+            <a:extLst>
+              <a:ext uri="{909E8E84-426E-40DD-AFC4-6F175D3DCCD1}">
+                <a14:hiddenFill xmlns:a14="http://schemas.microsoft.com/office/drawing/2010/main">
+                  <a:solidFill>
+                    <a:srgbClr val="FFFFFF"/>
+                  </a:solidFill>
+                </a14:hiddenFill>
+              </a:ext>
+            </a:extLst>
+          </p:spPr>
+        </p:pic>
+        <p:sp>
+          <p:nvSpPr>
+            <p:cNvPr id="14" name="Elipse 13">
+              <a:extLst>
+                <a:ext uri="{FF2B5EF4-FFF2-40B4-BE49-F238E27FC236}">
+                  <a16:creationId xmlns:a16="http://schemas.microsoft.com/office/drawing/2014/main" id="{5FB49F0D-49C2-661A-DD19-48BDDD447EEB}"/>
+                </a:ext>
+              </a:extLst>
+            </p:cNvPr>
+            <p:cNvSpPr/>
+            <p:nvPr/>
+          </p:nvSpPr>
+          <p:spPr>
+            <a:xfrm>
+              <a:off x="4597141" y="4352925"/>
+              <a:ext cx="755909" cy="723900"/>
+            </a:xfrm>
+            <a:prstGeom prst="ellipse">
+              <a:avLst/>
+            </a:prstGeom>
+            <a:solidFill>
+              <a:schemeClr val="bg1"/>
+            </a:solidFill>
+            <a:ln>
+              <a:noFill/>
+            </a:ln>
+          </p:spPr>
+          <p:style>
+            <a:lnRef idx="2">
+              <a:schemeClr val="accent1">
+                <a:shade val="50000"/>
+              </a:schemeClr>
+            </a:lnRef>
+            <a:fillRef idx="1">
+              <a:schemeClr val="accent1"/>
+            </a:fillRef>
+            <a:effectRef idx="0">
+              <a:schemeClr val="accent1"/>
+            </a:effectRef>
+            <a:fontRef idx="minor">
+              <a:schemeClr val="lt1"/>
+            </a:fontRef>
+          </p:style>
+          <p:txBody>
+            <a:bodyPr rtlCol="0" anchor="ctr"/>
+            <a:lstStyle/>
+            <a:p>
+              <a:pPr algn="ctr"/>
+              <a:endParaRPr lang="pt-BR"/>
+            </a:p>
+          </p:txBody>
+        </p:sp>
+      </p:grpSp>
+      <p:cxnSp>
+        <p:nvCxnSpPr>
+          <p:cNvPr id="17" name="Conector reto 16">
+            <a:extLst>
+              <a:ext uri="{FF2B5EF4-FFF2-40B4-BE49-F238E27FC236}">
+                <a16:creationId xmlns:a16="http://schemas.microsoft.com/office/drawing/2014/main" id="{EEAFA6E9-FD3C-EDAF-80E4-1ACD2B9D290F}"/>
+              </a:ext>
+            </a:extLst>
+          </p:cNvPr>
+          <p:cNvCxnSpPr/>
+          <p:nvPr/>
+        </p:nvCxnSpPr>
+        <p:spPr>
+          <a:xfrm>
+            <a:off x="5295900" y="166314"/>
+            <a:ext cx="0" cy="5456611"/>
+          </a:xfrm>
+          <a:prstGeom prst="line">
+            <a:avLst/>
+          </a:prstGeom>
+        </p:spPr>
+        <p:style>
+          <a:lnRef idx="1">
+            <a:schemeClr val="accent1"/>
+          </a:lnRef>
+          <a:fillRef idx="0">
+            <a:schemeClr val="accent1"/>
+          </a:fillRef>
+          <a:effectRef idx="0">
+            <a:schemeClr val="accent1"/>
+          </a:effectRef>
+          <a:fontRef idx="minor">
+            <a:schemeClr val="tx1"/>
+          </a:fontRef>
+        </p:style>
+      </p:cxnSp>
+      <p:grpSp>
+        <p:nvGrpSpPr>
+          <p:cNvPr id="19" name="Agrupar 18">
+            <a:extLst>
+              <a:ext uri="{FF2B5EF4-FFF2-40B4-BE49-F238E27FC236}">
+                <a16:creationId xmlns:a16="http://schemas.microsoft.com/office/drawing/2014/main" id="{7A74EBF7-1093-6104-F65D-E427A6290091}"/>
+              </a:ext>
+            </a:extLst>
+          </p:cNvPr>
+          <p:cNvGrpSpPr/>
+          <p:nvPr/>
+        </p:nvGrpSpPr>
+        <p:grpSpPr>
+          <a:xfrm rot="21097352">
+            <a:off x="1648879" y="4245067"/>
+            <a:ext cx="3792671" cy="1926613"/>
+            <a:chOff x="5185010" y="2265936"/>
+            <a:chExt cx="5022543" cy="2551369"/>
+          </a:xfrm>
+        </p:grpSpPr>
+        <p:pic>
+          <p:nvPicPr>
+            <p:cNvPr id="22" name="Picture 2" descr="Imagens Quadrinhos Brilhantes | Vetores, fotos de arquivo e PSD grátis">
+              <a:extLst>
+                <a:ext uri="{FF2B5EF4-FFF2-40B4-BE49-F238E27FC236}">
+                  <a16:creationId xmlns:a16="http://schemas.microsoft.com/office/drawing/2014/main" id="{66F2827F-3B22-80A6-FDB6-70E07E3E6F69}"/>
+                </a:ext>
+              </a:extLst>
+            </p:cNvPr>
+            <p:cNvPicPr>
+              <a:picLocks noChangeAspect="1" noChangeArrowheads="1"/>
+            </p:cNvPicPr>
+            <p:nvPr/>
+          </p:nvPicPr>
+          <p:blipFill rotWithShape="1">
+            <a:blip r:embed="rId2">
+              <a:extLst>
+                <a:ext uri="{28A0092B-C50C-407E-A947-70E740481C1C}">
+                  <a14:useLocalDpi xmlns:a14="http://schemas.microsoft.com/office/drawing/2010/main" val="0"/>
+                </a:ext>
+              </a:extLst>
+            </a:blip>
+            <a:srcRect l="58354" r="23758"/>
+            <a:stretch/>
+          </p:blipFill>
+          <p:spPr bwMode="auto">
+            <a:xfrm>
+              <a:off x="7144498" y="2265936"/>
+              <a:ext cx="609600" cy="2303510"/>
+            </a:xfrm>
+            <a:prstGeom prst="rect">
+              <a:avLst/>
+            </a:prstGeom>
+            <a:noFill/>
+            <a:extLst>
+              <a:ext uri="{909E8E84-426E-40DD-AFC4-6F175D3DCCD1}">
+                <a14:hiddenFill xmlns:a14="http://schemas.microsoft.com/office/drawing/2010/main">
+                  <a:solidFill>
+                    <a:srgbClr val="FFFFFF"/>
+                  </a:solidFill>
+                </a14:hiddenFill>
+              </a:ext>
+            </a:extLst>
+          </p:spPr>
+        </p:pic>
+        <p:pic>
+          <p:nvPicPr>
+            <p:cNvPr id="23" name="Picture 2" descr="Imagens Quadrinhos Brilhantes | Vetores, fotos de arquivo e PSD grátis">
+              <a:extLst>
+                <a:ext uri="{FF2B5EF4-FFF2-40B4-BE49-F238E27FC236}">
+                  <a16:creationId xmlns:a16="http://schemas.microsoft.com/office/drawing/2014/main" id="{6FD30E71-4A8F-3480-F9E3-CC4D0E8EC316}"/>
+                </a:ext>
+              </a:extLst>
+            </p:cNvPr>
+            <p:cNvPicPr>
+              <a:picLocks noChangeAspect="1" noChangeArrowheads="1"/>
+            </p:cNvPicPr>
+            <p:nvPr/>
+          </p:nvPicPr>
+          <p:blipFill rotWithShape="1">
+            <a:blip r:embed="rId2">
+              <a:extLst>
+                <a:ext uri="{28A0092B-C50C-407E-A947-70E740481C1C}">
+                  <a14:useLocalDpi xmlns:a14="http://schemas.microsoft.com/office/drawing/2010/main" val="0"/>
+                </a:ext>
+              </a:extLst>
+            </a:blip>
+            <a:srcRect l="58354" r="23758"/>
+            <a:stretch/>
+          </p:blipFill>
+          <p:spPr bwMode="auto">
+            <a:xfrm>
+              <a:off x="7744685" y="2355609"/>
+              <a:ext cx="609600" cy="2303510"/>
+            </a:xfrm>
+            <a:prstGeom prst="rect">
+              <a:avLst/>
+            </a:prstGeom>
+            <a:noFill/>
+            <a:extLst>
+              <a:ext uri="{909E8E84-426E-40DD-AFC4-6F175D3DCCD1}">
+                <a14:hiddenFill xmlns:a14="http://schemas.microsoft.com/office/drawing/2010/main">
+                  <a:solidFill>
+                    <a:srgbClr val="FFFFFF"/>
+                  </a:solidFill>
+                </a14:hiddenFill>
+              </a:ext>
+            </a:extLst>
+          </p:spPr>
+        </p:pic>
+        <p:pic>
+          <p:nvPicPr>
+            <p:cNvPr id="24" name="Picture 2" descr="Imagens Quadrinhos Brilhantes | Vetores, fotos de arquivo e PSD grátis">
+              <a:extLst>
+                <a:ext uri="{FF2B5EF4-FFF2-40B4-BE49-F238E27FC236}">
+                  <a16:creationId xmlns:a16="http://schemas.microsoft.com/office/drawing/2014/main" id="{B2D2B254-00EF-C3C5-0394-DA244552936B}"/>
+                </a:ext>
+              </a:extLst>
+            </p:cNvPr>
+            <p:cNvPicPr>
+              <a:picLocks noChangeAspect="1" noChangeArrowheads="1"/>
+            </p:cNvPicPr>
+            <p:nvPr/>
+          </p:nvPicPr>
+          <p:blipFill rotWithShape="1">
+            <a:blip r:embed="rId2">
+              <a:extLst>
+                <a:ext uri="{28A0092B-C50C-407E-A947-70E740481C1C}">
+                  <a14:useLocalDpi xmlns:a14="http://schemas.microsoft.com/office/drawing/2010/main" val="0"/>
+                </a:ext>
+              </a:extLst>
+            </a:blip>
+            <a:srcRect l="58354" r="23758"/>
+            <a:stretch/>
+          </p:blipFill>
+          <p:spPr bwMode="auto">
+            <a:xfrm>
+              <a:off x="8341463" y="2445591"/>
+              <a:ext cx="609600" cy="2303510"/>
+            </a:xfrm>
+            <a:prstGeom prst="rect">
+              <a:avLst/>
+            </a:prstGeom>
+            <a:noFill/>
+            <a:extLst>
+              <a:ext uri="{909E8E84-426E-40DD-AFC4-6F175D3DCCD1}">
+                <a14:hiddenFill xmlns:a14="http://schemas.microsoft.com/office/drawing/2010/main">
+                  <a:solidFill>
+                    <a:srgbClr val="FFFFFF"/>
+                  </a:solidFill>
+                </a14:hiddenFill>
+              </a:ext>
+            </a:extLst>
+          </p:spPr>
+        </p:pic>
+        <p:pic>
+          <p:nvPicPr>
+            <p:cNvPr id="25" name="Picture 2" descr="Imagens Quadrinhos Brilhantes | Vetores, fotos de arquivo e PSD grátis">
+              <a:extLst>
+                <a:ext uri="{FF2B5EF4-FFF2-40B4-BE49-F238E27FC236}">
+                  <a16:creationId xmlns:a16="http://schemas.microsoft.com/office/drawing/2014/main" id="{3774A0DA-C79F-14D0-BB72-392CFC7FB9E6}"/>
+                </a:ext>
+              </a:extLst>
+            </p:cNvPr>
+            <p:cNvPicPr>
+              <a:picLocks noChangeAspect="1" noChangeArrowheads="1"/>
+            </p:cNvPicPr>
+            <p:nvPr/>
+          </p:nvPicPr>
+          <p:blipFill rotWithShape="1">
+            <a:blip r:embed="rId2">
+              <a:extLst>
+                <a:ext uri="{28A0092B-C50C-407E-A947-70E740481C1C}">
+                  <a14:useLocalDpi xmlns:a14="http://schemas.microsoft.com/office/drawing/2010/main" val="0"/>
+                </a:ext>
+              </a:extLst>
+            </a:blip>
+            <a:srcRect r="42224"/>
+            <a:stretch/>
+          </p:blipFill>
+          <p:spPr bwMode="auto">
+            <a:xfrm>
+              <a:off x="5185010" y="2267394"/>
+              <a:ext cx="1968900" cy="2303510"/>
+            </a:xfrm>
+            <a:prstGeom prst="rect">
+              <a:avLst/>
+            </a:prstGeom>
+            <a:noFill/>
+            <a:extLst>
+              <a:ext uri="{909E8E84-426E-40DD-AFC4-6F175D3DCCD1}">
+                <a14:hiddenFill xmlns:a14="http://schemas.microsoft.com/office/drawing/2010/main">
+                  <a:solidFill>
+                    <a:srgbClr val="FFFFFF"/>
+                  </a:solidFill>
+                </a14:hiddenFill>
+              </a:ext>
+            </a:extLst>
+          </p:spPr>
+        </p:pic>
+        <p:pic>
+          <p:nvPicPr>
+            <p:cNvPr id="26" name="Picture 2" descr="Imagens Quadrinhos Brilhantes | Vetores, fotos de arquivo e PSD grátis">
+              <a:extLst>
+                <a:ext uri="{FF2B5EF4-FFF2-40B4-BE49-F238E27FC236}">
+                  <a16:creationId xmlns:a16="http://schemas.microsoft.com/office/drawing/2014/main" id="{E7567583-2425-3055-3336-D75048222E9B}"/>
+                </a:ext>
+              </a:extLst>
+            </p:cNvPr>
+            <p:cNvPicPr>
+              <a:picLocks noChangeAspect="1" noChangeArrowheads="1"/>
+            </p:cNvPicPr>
+            <p:nvPr/>
+          </p:nvPicPr>
+          <p:blipFill rotWithShape="1">
+            <a:blip r:embed="rId2">
+              <a:extLst>
+                <a:ext uri="{28A0092B-C50C-407E-A947-70E740481C1C}">
+                  <a14:useLocalDpi xmlns:a14="http://schemas.microsoft.com/office/drawing/2010/main" val="0"/>
+                </a:ext>
+              </a:extLst>
+            </a:blip>
+            <a:srcRect l="62576"/>
+            <a:stretch/>
+          </p:blipFill>
+          <p:spPr bwMode="auto">
+            <a:xfrm>
+              <a:off x="8932237" y="2513795"/>
+              <a:ext cx="1275316" cy="2303510"/>
+            </a:xfrm>
+            <a:prstGeom prst="rect">
+              <a:avLst/>
+            </a:prstGeom>
+            <a:noFill/>
+            <a:extLst>
+              <a:ext uri="{909E8E84-426E-40DD-AFC4-6F175D3DCCD1}">
+                <a14:hiddenFill xmlns:a14="http://schemas.microsoft.com/office/drawing/2010/main">
+                  <a:solidFill>
+                    <a:srgbClr val="FFFFFF"/>
+                  </a:solidFill>
+                </a14:hiddenFill>
+              </a:ext>
+            </a:extLst>
+          </p:spPr>
+        </p:pic>
+      </p:grpSp>
+      <p:pic>
+        <p:nvPicPr>
+          <p:cNvPr id="20" name="Picture 2" descr="Customer service free icon">
+            <a:extLst>
+              <a:ext uri="{FF2B5EF4-FFF2-40B4-BE49-F238E27FC236}">
+                <a16:creationId xmlns:a16="http://schemas.microsoft.com/office/drawing/2014/main" id="{DBBCA007-5996-9097-6084-3AD97A1700AE}"/>
+              </a:ext>
+            </a:extLst>
+          </p:cNvPr>
+          <p:cNvPicPr>
+            <a:picLocks noChangeAspect="1" noChangeArrowheads="1"/>
+          </p:cNvPicPr>
+          <p:nvPr/>
+        </p:nvPicPr>
+        <p:blipFill rotWithShape="1">
+          <a:blip r:embed="rId4">
+            <a:extLst>
+              <a:ext uri="{28A0092B-C50C-407E-A947-70E740481C1C}">
+                <a14:useLocalDpi xmlns:a14="http://schemas.microsoft.com/office/drawing/2010/main" val="0"/>
+              </a:ext>
+            </a:extLst>
+          </a:blip>
+          <a:srcRect l="31543"/>
+          <a:stretch/>
+        </p:blipFill>
+        <p:spPr bwMode="auto">
+          <a:xfrm>
+            <a:off x="261494" y="2694889"/>
+            <a:ext cx="817593" cy="1194324"/>
+          </a:xfrm>
+          <a:prstGeom prst="rect">
+            <a:avLst/>
+          </a:prstGeom>
+          <a:noFill/>
+          <a:extLst>
+            <a:ext uri="{909E8E84-426E-40DD-AFC4-6F175D3DCCD1}">
+              <a14:hiddenFill xmlns:a14="http://schemas.microsoft.com/office/drawing/2010/main">
+                <a:solidFill>
+                  <a:srgbClr val="FFFFFF"/>
+                </a:solidFill>
+              </a14:hiddenFill>
+            </a:ext>
+          </a:extLst>
+        </p:spPr>
+      </p:pic>
+      <p:pic>
+        <p:nvPicPr>
+          <p:cNvPr id="1028" name="Picture 4" descr="Discurso Bolha Falar Em - Gráfico vetorial grátis no Pixabay">
+            <a:extLst>
+              <a:ext uri="{FF2B5EF4-FFF2-40B4-BE49-F238E27FC236}">
+                <a16:creationId xmlns:a16="http://schemas.microsoft.com/office/drawing/2014/main" id="{230C910E-7101-6BF4-4D7C-4948BB92EF4E}"/>
+              </a:ext>
+            </a:extLst>
+          </p:cNvPr>
+          <p:cNvPicPr>
+            <a:picLocks noChangeAspect="1" noChangeArrowheads="1"/>
+          </p:cNvPicPr>
+          <p:nvPr/>
+        </p:nvPicPr>
+        <p:blipFill>
+          <a:blip r:embed="rId5">
+            <a:extLst>
+              <a:ext uri="{28A0092B-C50C-407E-A947-70E740481C1C}">
+                <a14:useLocalDpi xmlns:a14="http://schemas.microsoft.com/office/drawing/2010/main" val="0"/>
+              </a:ext>
+            </a:extLst>
+          </a:blip>
+          <a:srcRect/>
+          <a:stretch>
+            <a:fillRect/>
+          </a:stretch>
+        </p:blipFill>
+        <p:spPr bwMode="auto">
+          <a:xfrm>
+            <a:off x="6788107" y="731541"/>
+            <a:ext cx="2689268" cy="1496245"/>
+          </a:xfrm>
+          <a:prstGeom prst="rect">
+            <a:avLst/>
+          </a:prstGeom>
+          <a:noFill/>
+          <a:extLst>
+            <a:ext uri="{909E8E84-426E-40DD-AFC4-6F175D3DCCD1}">
+              <a14:hiddenFill xmlns:a14="http://schemas.microsoft.com/office/drawing/2010/main">
+                <a:solidFill>
+                  <a:srgbClr val="FFFFFF"/>
+                </a:solidFill>
+              </a14:hiddenFill>
+            </a:ext>
+          </a:extLst>
+        </p:spPr>
+      </p:pic>
+      <p:pic>
+        <p:nvPicPr>
+          <p:cNvPr id="28" name="Picture 2" descr="desenho de vetor de balões de fala coloridos 2858126 Vetor no Vecteezy">
+            <a:extLst>
+              <a:ext uri="{FF2B5EF4-FFF2-40B4-BE49-F238E27FC236}">
+                <a16:creationId xmlns:a16="http://schemas.microsoft.com/office/drawing/2014/main" id="{7F00D128-02AB-516B-C543-947451BD05DB}"/>
+              </a:ext>
+            </a:extLst>
+          </p:cNvPr>
+          <p:cNvPicPr>
+            <a:picLocks noChangeAspect="1" noChangeArrowheads="1"/>
+          </p:cNvPicPr>
+          <p:nvPr/>
+        </p:nvPicPr>
+        <p:blipFill rotWithShape="1">
+          <a:blip r:embed="rId6">
+            <a:extLst>
+              <a:ext uri="{BEBA8EAE-BF5A-486C-A8C5-ECC9F3942E4B}">
+                <a14:imgProps xmlns:a14="http://schemas.microsoft.com/office/drawing/2010/main">
+                  <a14:imgLayer r:embed="rId7">
+                    <a14:imgEffect>
+                      <a14:backgroundRemoval t="43673" b="56939" l="3445" r="32214">
+                        <a14:foregroundMark x1="32041" y1="48061" x2="32214" y2="50204"/>
+                      </a14:backgroundRemoval>
+                    </a14:imgEffect>
+                  </a14:imgLayer>
+                </a14:imgProps>
+              </a:ext>
+              <a:ext uri="{28A0092B-C50C-407E-A947-70E740481C1C}">
+                <a14:useLocalDpi xmlns:a14="http://schemas.microsoft.com/office/drawing/2010/main" val="0"/>
+              </a:ext>
+            </a:extLst>
+          </a:blip>
+          <a:srcRect t="42074" r="64881" b="41333"/>
+          <a:stretch/>
+        </p:blipFill>
+        <p:spPr bwMode="auto">
+          <a:xfrm>
+            <a:off x="7657120" y="2718632"/>
+            <a:ext cx="3705018" cy="1302906"/>
+          </a:xfrm>
+          <a:prstGeom prst="rect">
+            <a:avLst/>
+          </a:prstGeom>
+          <a:noFill/>
+          <a:extLst>
+            <a:ext uri="{909E8E84-426E-40DD-AFC4-6F175D3DCCD1}">
+              <a14:hiddenFill xmlns:a14="http://schemas.microsoft.com/office/drawing/2010/main">
+                <a:solidFill>
+                  <a:srgbClr val="FFFFFF"/>
+                </a:solidFill>
+              </a14:hiddenFill>
+            </a:ext>
+          </a:extLst>
+        </p:spPr>
+      </p:pic>
+      <p:pic>
+        <p:nvPicPr>
+          <p:cNvPr id="36" name="Imagem 35" descr="Interface gráfica do usuário&#10;&#10;Descrição gerada automaticamente com confiança baixa">
+            <a:extLst>
+              <a:ext uri="{FF2B5EF4-FFF2-40B4-BE49-F238E27FC236}">
+                <a16:creationId xmlns:a16="http://schemas.microsoft.com/office/drawing/2014/main" id="{A7D5E999-6D37-0BE2-F95E-87FD8AFE475B}"/>
+              </a:ext>
+            </a:extLst>
+          </p:cNvPr>
+          <p:cNvPicPr>
+            <a:picLocks noChangeAspect="1"/>
+          </p:cNvPicPr>
+          <p:nvPr/>
+        </p:nvPicPr>
+        <p:blipFill>
+          <a:blip r:embed="rId8">
+            <a:extLst>
+              <a:ext uri="{28A0092B-C50C-407E-A947-70E740481C1C}">
+                <a14:useLocalDpi xmlns:a14="http://schemas.microsoft.com/office/drawing/2010/main" val="0"/>
+              </a:ext>
+            </a:extLst>
+          </a:blip>
+          <a:stretch>
+            <a:fillRect/>
+          </a:stretch>
+        </p:blipFill>
+        <p:spPr>
+          <a:xfrm>
+            <a:off x="9473544" y="290155"/>
+            <a:ext cx="2349160" cy="2349160"/>
+          </a:xfrm>
+          <a:prstGeom prst="rect">
+            <a:avLst/>
+          </a:prstGeom>
+        </p:spPr>
+      </p:pic>
+      <p:pic>
+        <p:nvPicPr>
+          <p:cNvPr id="1026" name="Picture 2" descr="Free help desk - Vector Art">
+            <a:extLst>
+              <a:ext uri="{FF2B5EF4-FFF2-40B4-BE49-F238E27FC236}">
+                <a16:creationId xmlns:a16="http://schemas.microsoft.com/office/drawing/2014/main" id="{B4C2E8CF-CAA1-3CF4-456B-80272FBC679B}"/>
+              </a:ext>
+            </a:extLst>
+          </p:cNvPr>
+          <p:cNvPicPr>
+            <a:picLocks noChangeAspect="1" noChangeArrowheads="1"/>
+          </p:cNvPicPr>
+          <p:nvPr/>
+        </p:nvPicPr>
+        <p:blipFill rotWithShape="1">
+          <a:blip r:embed="rId9">
+            <a:extLst>
+              <a:ext uri="{BEBA8EAE-BF5A-486C-A8C5-ECC9F3942E4B}">
+                <a14:imgProps xmlns:a14="http://schemas.microsoft.com/office/drawing/2010/main">
+                  <a14:imgLayer r:embed="rId10">
+                    <a14:imgEffect>
+                      <a14:backgroundRemoval t="69771" b="96641" l="70022" r="96669"/>
+                    </a14:imgEffect>
+                  </a14:imgLayer>
+                </a14:imgProps>
+              </a:ext>
+              <a:ext uri="{28A0092B-C50C-407E-A947-70E740481C1C}">
+                <a14:useLocalDpi xmlns:a14="http://schemas.microsoft.com/office/drawing/2010/main" val="0"/>
+              </a:ext>
+            </a:extLst>
+          </a:blip>
+          <a:srcRect l="66691" t="66412"/>
+          <a:stretch/>
+        </p:blipFill>
+        <p:spPr bwMode="auto">
+          <a:xfrm>
+            <a:off x="2891755" y="2498070"/>
+            <a:ext cx="1317666" cy="1328692"/>
+          </a:xfrm>
+          <a:prstGeom prst="rect">
+            <a:avLst/>
+          </a:prstGeom>
+          <a:noFill/>
+          <a:extLst>
+            <a:ext uri="{909E8E84-426E-40DD-AFC4-6F175D3DCCD1}">
+              <a14:hiddenFill xmlns:a14="http://schemas.microsoft.com/office/drawing/2010/main">
+                <a:solidFill>
+                  <a:srgbClr val="FFFFFF"/>
+                </a:solidFill>
+              </a14:hiddenFill>
+            </a:ext>
+          </a:extLst>
+        </p:spPr>
+      </p:pic>
+      <p:grpSp>
+        <p:nvGrpSpPr>
+          <p:cNvPr id="41" name="Agrupar 40">
+            <a:extLst>
+              <a:ext uri="{FF2B5EF4-FFF2-40B4-BE49-F238E27FC236}">
+                <a16:creationId xmlns:a16="http://schemas.microsoft.com/office/drawing/2014/main" id="{62D60080-D4C7-32C3-67FA-4BF77006ED4A}"/>
+              </a:ext>
+            </a:extLst>
+          </p:cNvPr>
+          <p:cNvGrpSpPr/>
+          <p:nvPr/>
+        </p:nvGrpSpPr>
+        <p:grpSpPr>
+          <a:xfrm>
+            <a:off x="6064598" y="4427056"/>
+            <a:ext cx="1728122" cy="564819"/>
+            <a:chOff x="5435165" y="4209029"/>
+            <a:chExt cx="6583197" cy="2151651"/>
+          </a:xfrm>
+        </p:grpSpPr>
+        <p:sp>
+          <p:nvSpPr>
+            <p:cNvPr id="31" name="Retângulo 30">
+              <a:extLst>
+                <a:ext uri="{FF2B5EF4-FFF2-40B4-BE49-F238E27FC236}">
+                  <a16:creationId xmlns:a16="http://schemas.microsoft.com/office/drawing/2014/main" id="{7BC30D2A-A19E-52C3-B770-8C8AF23C112A}"/>
+                </a:ext>
+              </a:extLst>
+            </p:cNvPr>
+            <p:cNvSpPr/>
+            <p:nvPr/>
+          </p:nvSpPr>
+          <p:spPr>
+            <a:xfrm>
+              <a:off x="5435165" y="4209029"/>
+              <a:ext cx="6583197" cy="2151651"/>
+            </a:xfrm>
+            <a:prstGeom prst="rect">
+              <a:avLst/>
+            </a:prstGeom>
+            <a:solidFill>
+              <a:schemeClr val="accent5"/>
+            </a:solidFill>
+            <a:ln>
+              <a:noFill/>
+            </a:ln>
+          </p:spPr>
+          <p:style>
+            <a:lnRef idx="2">
+              <a:schemeClr val="accent1">
+                <a:shade val="50000"/>
+              </a:schemeClr>
+            </a:lnRef>
+            <a:fillRef idx="1">
+              <a:schemeClr val="accent1"/>
+            </a:fillRef>
+            <a:effectRef idx="0">
+              <a:schemeClr val="accent1"/>
+            </a:effectRef>
+            <a:fontRef idx="minor">
+              <a:schemeClr val="lt1"/>
+            </a:fontRef>
+          </p:style>
+          <p:txBody>
+            <a:bodyPr rtlCol="0" anchor="ctr"/>
+            <a:lstStyle/>
+            <a:p>
+              <a:pPr algn="ctr"/>
+              <a:endParaRPr lang="pt-BR"/>
+            </a:p>
+          </p:txBody>
+        </p:sp>
+        <p:grpSp>
+          <p:nvGrpSpPr>
+            <p:cNvPr id="37" name="Agrupar 36">
+              <a:extLst>
+                <a:ext uri="{FF2B5EF4-FFF2-40B4-BE49-F238E27FC236}">
+                  <a16:creationId xmlns:a16="http://schemas.microsoft.com/office/drawing/2014/main" id="{99B1F1DE-D126-842E-FC62-4BF86796FB8E}"/>
+                </a:ext>
+              </a:extLst>
+            </p:cNvPr>
+            <p:cNvGrpSpPr/>
+            <p:nvPr/>
+          </p:nvGrpSpPr>
+          <p:grpSpPr>
+            <a:xfrm>
+              <a:off x="5723705" y="4840592"/>
+              <a:ext cx="1293365" cy="1373786"/>
+              <a:chOff x="6890665" y="2517946"/>
+              <a:chExt cx="1293365" cy="1373786"/>
+            </a:xfrm>
+          </p:grpSpPr>
+          <p:sp>
+            <p:nvSpPr>
+              <p:cNvPr id="33" name="Elipse 32">
+                <a:extLst>
+                  <a:ext uri="{FF2B5EF4-FFF2-40B4-BE49-F238E27FC236}">
+                    <a16:creationId xmlns:a16="http://schemas.microsoft.com/office/drawing/2014/main" id="{023D9A0B-E3F6-CFEB-4EDA-8A7ABA60B9DA}"/>
+                  </a:ext>
+                </a:extLst>
+              </p:cNvPr>
+              <p:cNvSpPr/>
+              <p:nvPr/>
+            </p:nvSpPr>
+            <p:spPr>
+              <a:xfrm>
+                <a:off x="6890665" y="2517946"/>
+                <a:ext cx="1293365" cy="1293365"/>
+              </a:xfrm>
+              <a:prstGeom prst="ellipse">
+                <a:avLst/>
+              </a:prstGeom>
+              <a:solidFill>
+                <a:srgbClr val="E4F2F2"/>
+              </a:solidFill>
+              <a:ln>
+                <a:noFill/>
+              </a:ln>
+            </p:spPr>
+            <p:style>
+              <a:lnRef idx="2">
+                <a:schemeClr val="accent1">
+                  <a:shade val="50000"/>
+                </a:schemeClr>
+              </a:lnRef>
+              <a:fillRef idx="1">
+                <a:schemeClr val="accent1"/>
+              </a:fillRef>
+              <a:effectRef idx="0">
+                <a:schemeClr val="accent1"/>
+              </a:effectRef>
+              <a:fontRef idx="minor">
+                <a:schemeClr val="lt1"/>
+              </a:fontRef>
+            </p:style>
+            <p:txBody>
+              <a:bodyPr rtlCol="0" anchor="ctr"/>
+              <a:lstStyle/>
+              <a:p>
+                <a:pPr algn="ctr"/>
+                <a:endParaRPr lang="pt-BR"/>
+              </a:p>
+            </p:txBody>
+          </p:sp>
+          <p:pic>
+            <p:nvPicPr>
+              <p:cNvPr id="39" name="Imagem 38" descr="Interface gráfica do usuário&#10;&#10;Descrição gerada automaticamente com confiança baixa">
+                <a:extLst>
+                  <a:ext uri="{FF2B5EF4-FFF2-40B4-BE49-F238E27FC236}">
+                    <a16:creationId xmlns:a16="http://schemas.microsoft.com/office/drawing/2014/main" id="{A669EBD8-5D9E-5856-F677-EB1CFFE5EF28}"/>
+                  </a:ext>
+                </a:extLst>
+              </p:cNvPr>
+              <p:cNvPicPr>
+                <a:picLocks noChangeAspect="1"/>
+              </p:cNvPicPr>
+              <p:nvPr/>
+            </p:nvPicPr>
+            <p:blipFill rotWithShape="1">
+              <a:blip r:embed="rId11">
+                <a:extLst>
+                  <a:ext uri="{BEBA8EAE-BF5A-486C-A8C5-ECC9F3942E4B}">
+                    <a14:imgProps xmlns:a14="http://schemas.microsoft.com/office/drawing/2010/main">
+                      <a14:imgLayer r:embed="rId10">
+                        <a14:imgEffect>
+                          <a14:backgroundRemoval t="70000" b="97250" l="70000" r="96500">
+                            <a14:foregroundMark x1="81500" y1="70000" x2="86500" y2="70500"/>
+                            <a14:foregroundMark x1="80000" y1="97250" x2="86000" y2="97250"/>
+                            <a14:foregroundMark x1="89750" y1="85750" x2="89750" y2="85750"/>
+                            <a14:foregroundMark x1="89500" y1="87250" x2="89500" y2="87250"/>
+                            <a14:foregroundMark x1="85750" y1="88750" x2="89500" y2="86250"/>
+                          </a14:backgroundRemoval>
+                        </a14:imgEffect>
+                      </a14:imgLayer>
+                    </a14:imgProps>
+                  </a:ext>
+                  <a:ext uri="{28A0092B-C50C-407E-A947-70E740481C1C}">
+                    <a14:useLocalDpi xmlns:a14="http://schemas.microsoft.com/office/drawing/2010/main" val="0"/>
+                  </a:ext>
+                </a:extLst>
+              </a:blip>
+              <a:srcRect l="70114" t="67302" r="4286"/>
+              <a:stretch/>
+            </p:blipFill>
+            <p:spPr>
+              <a:xfrm>
+                <a:off x="7032501" y="2621455"/>
+                <a:ext cx="994528" cy="1270277"/>
+              </a:xfrm>
+              <a:prstGeom prst="rect">
+                <a:avLst/>
+              </a:prstGeom>
+            </p:spPr>
+          </p:pic>
+        </p:grpSp>
+        <p:sp>
+          <p:nvSpPr>
+            <p:cNvPr id="38" name="Balão de Fala: Retângulo com Cantos Arredondados 37">
+              <a:extLst>
+                <a:ext uri="{FF2B5EF4-FFF2-40B4-BE49-F238E27FC236}">
+                  <a16:creationId xmlns:a16="http://schemas.microsoft.com/office/drawing/2014/main" id="{3D7864B2-E796-A5D4-4B86-6F2F60ABFE75}"/>
+                </a:ext>
+              </a:extLst>
+            </p:cNvPr>
+            <p:cNvSpPr/>
+            <p:nvPr/>
+          </p:nvSpPr>
+          <p:spPr>
+            <a:xfrm>
+              <a:off x="7197387" y="4389950"/>
+              <a:ext cx="4486613" cy="1000125"/>
+            </a:xfrm>
+            <a:prstGeom prst="wedgeRoundRectCallout">
+              <a:avLst>
+                <a:gd name="adj1" fmla="val -60326"/>
+                <a:gd name="adj2" fmla="val 37673"/>
+                <a:gd name="adj3" fmla="val 16667"/>
+              </a:avLst>
+            </a:prstGeom>
+            <a:solidFill>
+              <a:srgbClr val="92D050"/>
+            </a:solidFill>
+            <a:ln>
+              <a:noFill/>
+            </a:ln>
+            <a:effectLst>
+              <a:outerShdw blurRad="63500" sx="102000" sy="102000" algn="ctr" rotWithShape="0">
+                <a:prstClr val="black">
+                  <a:alpha val="40000"/>
+                </a:prstClr>
+              </a:outerShdw>
+            </a:effectLst>
+          </p:spPr>
+          <p:style>
+            <a:lnRef idx="2">
+              <a:schemeClr val="accent1">
+                <a:shade val="50000"/>
+              </a:schemeClr>
+            </a:lnRef>
+            <a:fillRef idx="1">
+              <a:schemeClr val="accent1"/>
+            </a:fillRef>
+            <a:effectRef idx="0">
+              <a:schemeClr val="accent1"/>
+            </a:effectRef>
+            <a:fontRef idx="minor">
+              <a:schemeClr val="lt1"/>
+            </a:fontRef>
+          </p:style>
+          <p:txBody>
+            <a:bodyPr rtlCol="0" anchor="ctr"/>
+            <a:lstStyle/>
+            <a:p>
+              <a:pPr algn="ctr"/>
+              <a:endParaRPr lang="pt-BR"/>
+            </a:p>
+          </p:txBody>
+        </p:sp>
+        <p:sp>
+          <p:nvSpPr>
+            <p:cNvPr id="42" name="Balão de Fala: Retângulo com Cantos Arredondados 41">
+              <a:extLst>
+                <a:ext uri="{FF2B5EF4-FFF2-40B4-BE49-F238E27FC236}">
+                  <a16:creationId xmlns:a16="http://schemas.microsoft.com/office/drawing/2014/main" id="{5379BB23-2BE0-99BB-242D-00E5900BFC3F}"/>
+                </a:ext>
+              </a:extLst>
+            </p:cNvPr>
+            <p:cNvSpPr/>
+            <p:nvPr/>
+          </p:nvSpPr>
+          <p:spPr>
+            <a:xfrm>
+              <a:off x="7426208" y="5166200"/>
+              <a:ext cx="4044432" cy="922075"/>
+            </a:xfrm>
+            <a:prstGeom prst="wedgeRoundRectCallout">
+              <a:avLst>
+                <a:gd name="adj1" fmla="val -65827"/>
+                <a:gd name="adj2" fmla="val 911"/>
+                <a:gd name="adj3" fmla="val 16667"/>
+              </a:avLst>
+            </a:prstGeom>
+            <a:solidFill>
+              <a:srgbClr val="92D050"/>
+            </a:solidFill>
+            <a:ln>
+              <a:noFill/>
+            </a:ln>
+            <a:effectLst>
+              <a:outerShdw blurRad="63500" sx="102000" sy="102000" algn="ctr" rotWithShape="0">
+                <a:prstClr val="black">
+                  <a:alpha val="40000"/>
+                </a:prstClr>
+              </a:outerShdw>
+            </a:effectLst>
+          </p:spPr>
+          <p:style>
+            <a:lnRef idx="2">
+              <a:schemeClr val="accent1">
+                <a:shade val="50000"/>
+              </a:schemeClr>
+            </a:lnRef>
+            <a:fillRef idx="1">
+              <a:schemeClr val="accent1"/>
+            </a:fillRef>
+            <a:effectRef idx="0">
+              <a:schemeClr val="accent1"/>
+            </a:effectRef>
+            <a:fontRef idx="minor">
+              <a:schemeClr val="lt1"/>
+            </a:fontRef>
+          </p:style>
+          <p:txBody>
+            <a:bodyPr rtlCol="0" anchor="ctr"/>
+            <a:lstStyle/>
+            <a:p>
+              <a:pPr algn="ctr"/>
+              <a:endParaRPr lang="pt-BR"/>
+            </a:p>
+          </p:txBody>
+        </p:sp>
+      </p:grpSp>
+    </p:spTree>
+    <p:extLst>
+      <p:ext uri="{BB962C8B-B14F-4D97-AF65-F5344CB8AC3E}">
+        <p14:creationId xmlns:p14="http://schemas.microsoft.com/office/powerpoint/2010/main" val="2836025387"/>
+      </p:ext>
+    </p:extLst>
+  </p:cSld>
+  <p:clrMapOvr>
+    <a:masterClrMapping/>
+  </p:clrMapOvr>
+</p:sld>
+</file>
+
+<file path=ppt/slides/slide8.xml><?xml version="1.0" encoding="utf-8"?>
+<p:sld xmlns:a="http://schemas.openxmlformats.org/drawingml/2006/main" xmlns:r="http://schemas.openxmlformats.org/officeDocument/2006/relationships" xmlns:p="http://schemas.openxmlformats.org/presentationml/2006/main">
+  <p:cSld>
+    <p:bg>
+      <p:bgPr>
+        <a:solidFill>
+          <a:schemeClr val="bg1"/>
+        </a:solidFill>
+        <a:effectLst/>
+      </p:bgPr>
+    </p:bg>
+    <p:spTree>
+      <p:nvGrpSpPr>
+        <p:cNvPr id="1" name=""/>
+        <p:cNvGrpSpPr/>
+        <p:nvPr/>
+      </p:nvGrpSpPr>
+      <p:grpSpPr>
+        <a:xfrm>
+          <a:off x="0" y="0"/>
+          <a:ext cx="0" cy="0"/>
+          <a:chOff x="0" y="0"/>
+          <a:chExt cx="0" cy="0"/>
+        </a:xfrm>
+      </p:grpSpPr>
       <p:grpSp>
         <p:nvGrpSpPr>
           <p:cNvPr id="11" name="Agrupar 10">
@@ -5858,7 +7199,7 @@
         </p:blipFill>
         <p:spPr bwMode="auto">
           <a:xfrm rot="5400000">
-            <a:off x="5665486" y="279532"/>
+            <a:off x="7913708" y="404715"/>
             <a:ext cx="3347311" cy="3285622"/>
           </a:xfrm>
           <a:prstGeom prst="rect">
@@ -5905,7 +7246,7 @@
         </p:blipFill>
         <p:spPr bwMode="auto">
           <a:xfrm>
-            <a:off x="5169265" y="1504738"/>
+            <a:off x="5400493" y="1691366"/>
             <a:ext cx="2248222" cy="2248222"/>
           </a:xfrm>
           <a:prstGeom prst="rect">
@@ -6117,7 +7458,7 @@
         </p:nvSpPr>
         <p:spPr>
           <a:xfrm>
-            <a:off x="7101987" y="5236198"/>
+            <a:off x="6949587" y="6055757"/>
             <a:ext cx="3031352" cy="369332"/>
           </a:xfrm>
           <a:prstGeom prst="rect">
@@ -6220,6 +7561,62 @@
           <a:xfrm>
             <a:off x="731756" y="4689919"/>
             <a:ext cx="2660806" cy="1798573"/>
+          </a:xfrm>
+          <a:prstGeom prst="rect">
+            <a:avLst/>
+          </a:prstGeom>
+          <a:noFill/>
+          <a:extLst>
+            <a:ext uri="{909E8E84-426E-40DD-AFC4-6F175D3DCCD1}">
+              <a14:hiddenFill xmlns:a14="http://schemas.microsoft.com/office/drawing/2010/main">
+                <a:solidFill>
+                  <a:srgbClr val="FFFFFF"/>
+                </a:solidFill>
+              </a14:hiddenFill>
+            </a:ext>
+          </a:extLst>
+        </p:spPr>
+      </p:pic>
+      <p:pic>
+        <p:nvPicPr>
+          <p:cNvPr id="19" name="Picture 2" descr="desenho de vetor de balões de fala coloridos 2858126 Vetor no Vecteezy">
+            <a:extLst>
+              <a:ext uri="{FF2B5EF4-FFF2-40B4-BE49-F238E27FC236}">
+                <a16:creationId xmlns:a16="http://schemas.microsoft.com/office/drawing/2014/main" id="{E6AB5E23-7C36-14A2-E8E5-ADEDAB77F88A}"/>
+              </a:ext>
+            </a:extLst>
+          </p:cNvPr>
+          <p:cNvPicPr>
+            <a:picLocks noChangeAspect="1" noChangeArrowheads="1"/>
+          </p:cNvPicPr>
+          <p:nvPr/>
+        </p:nvPicPr>
+        <p:blipFill rotWithShape="1">
+          <a:blip r:embed="rId11">
+            <a:extLst>
+              <a:ext uri="{BEBA8EAE-BF5A-486C-A8C5-ECC9F3942E4B}">
+                <a14:imgProps xmlns:a14="http://schemas.microsoft.com/office/drawing/2010/main">
+                  <a14:imgLayer r:embed="rId12">
+                    <a14:imgEffect>
+                      <a14:backgroundRemoval t="43673" b="56939" l="3445" r="32214">
+                        <a14:foregroundMark x1="32041" y1="48061" x2="32214" y2="50204"/>
+                      </a14:backgroundRemoval>
+                    </a14:imgEffect>
+                  </a14:imgLayer>
+                </a14:imgProps>
+              </a:ext>
+              <a:ext uri="{28A0092B-C50C-407E-A947-70E740481C1C}">
+                <a14:useLocalDpi xmlns:a14="http://schemas.microsoft.com/office/drawing/2010/main" val="0"/>
+              </a:ext>
+            </a:extLst>
+          </a:blip>
+          <a:srcRect t="42074" r="64881" b="41333"/>
+          <a:stretch/>
+        </p:blipFill>
+        <p:spPr bwMode="auto">
+          <a:xfrm>
+            <a:off x="6813869" y="4256918"/>
+            <a:ext cx="2853372" cy="1137920"/>
           </a:xfrm>
           <a:prstGeom prst="rect">
             <a:avLst/>
@@ -6249,7 +7646,7 @@
 </p:sld>
 </file>
 
-<file path=ppt/slides/slide8.xml><?xml version="1.0" encoding="utf-8"?>
+<file path=ppt/slides/slide9.xml><?xml version="1.0" encoding="utf-8"?>
 <p:sld xmlns:a="http://schemas.openxmlformats.org/drawingml/2006/main" xmlns:r="http://schemas.openxmlformats.org/officeDocument/2006/relationships" xmlns:p="http://schemas.openxmlformats.org/presentationml/2006/main">
   <p:cSld>
     <p:bg>
